--- a/docs/Carrousel.pptx
+++ b/docs/Carrousel.pptx
@@ -3029,7 +3029,7 @@
                   </a:schemeClr>
                 </a:solidFill>
               </a:rPr>
-              <a:t>Recruteur</a:t>
+              <a:t>Recruteur (Gemini)</a:t>
             </a:r>
           </a:p>
           <a:p>
@@ -3201,7 +3201,27 @@
                   </a:schemeClr>
                 </a:solidFill>
               </a:rPr>
-              <a:t>💬 Candidat</a:t>
+              <a:t>💬 Candidat (</a:t>
+            </a:r>
+            <a:r>
+              <a:rPr lang="fr-FR" sz="6000" b="1" dirty="0" err="1">
+                <a:solidFill>
+                  <a:schemeClr val="bg1">
+                    <a:lumMod val="85000"/>
+                  </a:schemeClr>
+                </a:solidFill>
+              </a:rPr>
+              <a:t>OpenAI</a:t>
+            </a:r>
+            <a:r>
+              <a:rPr lang="fr-FR" sz="6000" b="1" dirty="0">
+                <a:solidFill>
+                  <a:schemeClr val="bg1">
+                    <a:lumMod val="85000"/>
+                  </a:schemeClr>
+                </a:solidFill>
+              </a:rPr>
+              <a:t>)</a:t>
             </a:r>
           </a:p>
           <a:p>
@@ -3420,7 +3440,7 @@
                   </a:schemeClr>
                 </a:solidFill>
               </a:rPr>
-              <a:t> Recruteur</a:t>
+              <a:t> Recruteur (Gemini)</a:t>
             </a:r>
           </a:p>
           <a:p>
@@ -3613,7 +3633,27 @@
                   </a:schemeClr>
                 </a:solidFill>
               </a:rPr>
-              <a:t>💬 Candidat</a:t>
+              <a:t>💬 Candidat (</a:t>
+            </a:r>
+            <a:r>
+              <a:rPr lang="fr-FR" sz="6000" b="1" dirty="0" err="1">
+                <a:solidFill>
+                  <a:schemeClr val="bg1">
+                    <a:lumMod val="85000"/>
+                  </a:schemeClr>
+                </a:solidFill>
+              </a:rPr>
+              <a:t>OpenAI</a:t>
+            </a:r>
+            <a:r>
+              <a:rPr lang="fr-FR" sz="6000" b="1" dirty="0">
+                <a:solidFill>
+                  <a:schemeClr val="bg1">
+                    <a:lumMod val="85000"/>
+                  </a:schemeClr>
+                </a:solidFill>
+              </a:rPr>
+              <a:t>)</a:t>
             </a:r>
           </a:p>
           <a:p>
@@ -3810,7 +3850,7 @@
                   </a:schemeClr>
                 </a:solidFill>
               </a:rPr>
-              <a:t>Recruteur</a:t>
+              <a:t>Recruteur (Gemini)</a:t>
             </a:r>
           </a:p>
           <a:p>
@@ -4024,7 +4064,27 @@
                   </a:schemeClr>
                 </a:solidFill>
               </a:rPr>
-              <a:t>💬 Candidat</a:t>
+              <a:t>💬 Candidat (</a:t>
+            </a:r>
+            <a:r>
+              <a:rPr lang="fr-FR" sz="6000" b="1" dirty="0" err="1">
+                <a:solidFill>
+                  <a:schemeClr val="bg1">
+                    <a:lumMod val="85000"/>
+                  </a:schemeClr>
+                </a:solidFill>
+              </a:rPr>
+              <a:t>OpenAI</a:t>
+            </a:r>
+            <a:r>
+              <a:rPr lang="fr-FR" sz="6000" b="1" dirty="0">
+                <a:solidFill>
+                  <a:schemeClr val="bg1">
+                    <a:lumMod val="85000"/>
+                  </a:schemeClr>
+                </a:solidFill>
+              </a:rPr>
+              <a:t>)</a:t>
             </a:r>
           </a:p>
           <a:p>
@@ -4238,8 +4298,25 @@
                   </a:schemeClr>
                 </a:solidFill>
               </a:rPr>
-              <a:t>⭐ Recommandation</a:t>
-            </a:r>
+              <a:t>⭐ Recruteur (</a:t>
+            </a:r>
+            <a:r>
+              <a:rPr lang="fr-FR" sz="6000" b="1">
+                <a:solidFill>
+                  <a:schemeClr val="bg1">
+                    <a:lumMod val="85000"/>
+                  </a:schemeClr>
+                </a:solidFill>
+              </a:rPr>
+              <a:t>Gemini)</a:t>
+            </a:r>
+            <a:endParaRPr lang="fr-FR" sz="6000" b="1" dirty="0">
+              <a:solidFill>
+                <a:schemeClr val="bg1">
+                  <a:lumMod val="85000"/>
+                </a:schemeClr>
+              </a:solidFill>
+            </a:endParaRPr>
           </a:p>
           <a:p>
             <a:endParaRPr lang="fr-FR" sz="6000" b="1" dirty="0">

--- a/docs/Carrousel.pptx
+++ b/docs/Carrousel.pptx
@@ -249,7 +249,7 @@
           <a:p>
             <a:fld id="{017B7D74-086C-412E-833A-3B6D3B17719C}" type="datetimeFigureOut">
               <a:rPr lang="fr-FR" smtClean="0"/>
-              <a:t>09/05/2025</a:t>
+              <a:t>10/05/2025</a:t>
             </a:fld>
             <a:endParaRPr lang="fr-FR"/>
           </a:p>
@@ -419,7 +419,7 @@
           <a:p>
             <a:fld id="{017B7D74-086C-412E-833A-3B6D3B17719C}" type="datetimeFigureOut">
               <a:rPr lang="fr-FR" smtClean="0"/>
-              <a:t>09/05/2025</a:t>
+              <a:t>10/05/2025</a:t>
             </a:fld>
             <a:endParaRPr lang="fr-FR"/>
           </a:p>
@@ -599,7 +599,7 @@
           <a:p>
             <a:fld id="{017B7D74-086C-412E-833A-3B6D3B17719C}" type="datetimeFigureOut">
               <a:rPr lang="fr-FR" smtClean="0"/>
-              <a:t>09/05/2025</a:t>
+              <a:t>10/05/2025</a:t>
             </a:fld>
             <a:endParaRPr lang="fr-FR"/>
           </a:p>
@@ -769,7 +769,7 @@
           <a:p>
             <a:fld id="{017B7D74-086C-412E-833A-3B6D3B17719C}" type="datetimeFigureOut">
               <a:rPr lang="fr-FR" smtClean="0"/>
-              <a:t>09/05/2025</a:t>
+              <a:t>10/05/2025</a:t>
             </a:fld>
             <a:endParaRPr lang="fr-FR"/>
           </a:p>
@@ -1015,7 +1015,7 @@
           <a:p>
             <a:fld id="{017B7D74-086C-412E-833A-3B6D3B17719C}" type="datetimeFigureOut">
               <a:rPr lang="fr-FR" smtClean="0"/>
-              <a:t>09/05/2025</a:t>
+              <a:t>10/05/2025</a:t>
             </a:fld>
             <a:endParaRPr lang="fr-FR"/>
           </a:p>
@@ -1247,7 +1247,7 @@
           <a:p>
             <a:fld id="{017B7D74-086C-412E-833A-3B6D3B17719C}" type="datetimeFigureOut">
               <a:rPr lang="fr-FR" smtClean="0"/>
-              <a:t>09/05/2025</a:t>
+              <a:t>10/05/2025</a:t>
             </a:fld>
             <a:endParaRPr lang="fr-FR"/>
           </a:p>
@@ -1614,7 +1614,7 @@
           <a:p>
             <a:fld id="{017B7D74-086C-412E-833A-3B6D3B17719C}" type="datetimeFigureOut">
               <a:rPr lang="fr-FR" smtClean="0"/>
-              <a:t>09/05/2025</a:t>
+              <a:t>10/05/2025</a:t>
             </a:fld>
             <a:endParaRPr lang="fr-FR"/>
           </a:p>
@@ -1732,7 +1732,7 @@
           <a:p>
             <a:fld id="{017B7D74-086C-412E-833A-3B6D3B17719C}" type="datetimeFigureOut">
               <a:rPr lang="fr-FR" smtClean="0"/>
-              <a:t>09/05/2025</a:t>
+              <a:t>10/05/2025</a:t>
             </a:fld>
             <a:endParaRPr lang="fr-FR"/>
           </a:p>
@@ -1827,7 +1827,7 @@
           <a:p>
             <a:fld id="{017B7D74-086C-412E-833A-3B6D3B17719C}" type="datetimeFigureOut">
               <a:rPr lang="fr-FR" smtClean="0"/>
-              <a:t>09/05/2025</a:t>
+              <a:t>10/05/2025</a:t>
             </a:fld>
             <a:endParaRPr lang="fr-FR"/>
           </a:p>
@@ -2104,7 +2104,7 @@
           <a:p>
             <a:fld id="{017B7D74-086C-412E-833A-3B6D3B17719C}" type="datetimeFigureOut">
               <a:rPr lang="fr-FR" smtClean="0"/>
-              <a:t>09/05/2025</a:t>
+              <a:t>10/05/2025</a:t>
             </a:fld>
             <a:endParaRPr lang="fr-FR"/>
           </a:p>
@@ -2361,7 +2361,7 @@
           <a:p>
             <a:fld id="{017B7D74-086C-412E-833A-3B6D3B17719C}" type="datetimeFigureOut">
               <a:rPr lang="fr-FR" smtClean="0"/>
-              <a:t>09/05/2025</a:t>
+              <a:t>10/05/2025</a:t>
             </a:fld>
             <a:endParaRPr lang="fr-FR"/>
           </a:p>
@@ -2574,7 +2574,7 @@
           <a:p>
             <a:fld id="{017B7D74-086C-412E-833A-3B6D3B17719C}" type="datetimeFigureOut">
               <a:rPr lang="fr-FR" smtClean="0"/>
-              <a:t>09/05/2025</a:t>
+              <a:t>10/05/2025</a:t>
             </a:fld>
             <a:endParaRPr lang="fr-FR"/>
           </a:p>
@@ -4298,18 +4298,10 @@
                   </a:schemeClr>
                 </a:solidFill>
               </a:rPr>
-              <a:t>⭐ Recruteur (</a:t>
-            </a:r>
-            <a:r>
-              <a:rPr lang="fr-FR" sz="6000" b="1">
-                <a:solidFill>
-                  <a:schemeClr val="bg1">
-                    <a:lumMod val="85000"/>
-                  </a:schemeClr>
-                </a:solidFill>
-              </a:rPr>
-              <a:t>Gemini)</a:t>
-            </a:r>
+              <a:t>⭐ Recruteur (Gemini)</a:t>
+            </a:r>
+          </a:p>
+          <a:p>
             <a:endParaRPr lang="fr-FR" sz="6000" b="1" dirty="0">
               <a:solidFill>
                 <a:schemeClr val="bg1">
@@ -4319,15 +4311,6 @@
             </a:endParaRPr>
           </a:p>
           <a:p>
-            <a:endParaRPr lang="fr-FR" sz="6000" b="1" dirty="0">
-              <a:solidFill>
-                <a:schemeClr val="bg1">
-                  <a:lumMod val="85000"/>
-                </a:schemeClr>
-              </a:solidFill>
-            </a:endParaRPr>
-          </a:p>
-          <a:p>
             <a:pPr>
               <a:spcAft>
                 <a:spcPts val="3000"/>
@@ -4341,7 +4324,7 @@
                   </a:schemeClr>
                 </a:solidFill>
               </a:rPr>
-              <a:t>Le candidat démontre une capacité impressionnante à </a:t>
+              <a:t>Le candidat démontre une </a:t>
             </a:r>
             <a:r>
               <a:rPr lang="fr-FR" sz="6000" b="1" dirty="0">
@@ -4352,17 +4335,17 @@
                   </a:schemeClr>
                 </a:solidFill>
               </a:rPr>
-              <a:t>transposer</a:t>
-            </a:r>
-            <a:r>
-              <a:rPr lang="fr-FR" sz="6000" b="1" dirty="0">
-                <a:solidFill>
-                  <a:schemeClr val="bg1">
-                    <a:lumMod val="85000"/>
-                  </a:schemeClr>
-                </a:solidFill>
-              </a:rPr>
-              <a:t> ses </a:t>
+              <a:t>capacité impressionnante</a:t>
+            </a:r>
+            <a:r>
+              <a:rPr lang="fr-FR" sz="6000" b="1" dirty="0">
+                <a:solidFill>
+                  <a:schemeClr val="bg1">
+                    <a:lumMod val="85000"/>
+                  </a:schemeClr>
+                </a:solidFill>
+              </a:rPr>
+              <a:t> à </a:t>
             </a:r>
             <a:r>
               <a:rPr lang="fr-FR" sz="6000" b="1" dirty="0">
@@ -4373,17 +4356,17 @@
                   </a:schemeClr>
                 </a:solidFill>
               </a:rPr>
-              <a:t>compétences techniques</a:t>
-            </a:r>
-            <a:r>
-              <a:rPr lang="fr-FR" sz="6000" b="1" dirty="0">
-                <a:solidFill>
-                  <a:schemeClr val="bg1">
-                    <a:lumMod val="85000"/>
-                  </a:schemeClr>
-                </a:solidFill>
-              </a:rPr>
-              <a:t> dans des </a:t>
+              <a:t>transposer</a:t>
+            </a:r>
+            <a:r>
+              <a:rPr lang="fr-FR" sz="6000" b="1" dirty="0">
+                <a:solidFill>
+                  <a:schemeClr val="bg1">
+                    <a:lumMod val="85000"/>
+                  </a:schemeClr>
+                </a:solidFill>
+              </a:rPr>
+              <a:t> ses compétences techniques dans des contextes inattendus, ce qui est un </a:t>
             </a:r>
             <a:r>
               <a:rPr lang="fr-FR" sz="6000" b="1" dirty="0">
@@ -4394,17 +4377,17 @@
                   </a:schemeClr>
                 </a:solidFill>
               </a:rPr>
-              <a:t>contextes inattendus</a:t>
-            </a:r>
-            <a:r>
-              <a:rPr lang="fr-FR" sz="6000" b="1" dirty="0">
-                <a:solidFill>
-                  <a:schemeClr val="bg1">
-                    <a:lumMod val="85000"/>
-                  </a:schemeClr>
-                </a:solidFill>
-              </a:rPr>
-              <a:t>, ce qui est un atout majeur pour interagir avec des enfants. </a:t>
+              <a:t>atout majeur</a:t>
+            </a:r>
+            <a:r>
+              <a:rPr lang="fr-FR" sz="6000" b="1" dirty="0">
+                <a:solidFill>
+                  <a:schemeClr val="bg1">
+                    <a:lumMod val="85000"/>
+                  </a:schemeClr>
+                </a:solidFill>
+              </a:rPr>
+              <a:t> pour interagir avec des enfants. </a:t>
             </a:r>
           </a:p>
           <a:p>
